--- a/Android/GoogleDrive_AndroidDemo.pptx
+++ b/Android/GoogleDrive_AndroidDemo.pptx
@@ -15,6 +15,9 @@
     <p:sldId id="263" r:id="rId9"/>
     <p:sldId id="264" r:id="rId10"/>
     <p:sldId id="265" r:id="rId11"/>
+    <p:sldId id="266" r:id="rId12"/>
+    <p:sldId id="267" r:id="rId13"/>
+    <p:sldId id="268" r:id="rId14"/>
   </p:sldIdLst>
   <p:sldSz cx="12192000" cy="6858000"/>
   <p:notesSz cx="6858000" cy="9144000"/>
@@ -113,6 +116,11 @@
       </a:defRPr>
     </a:lvl9pPr>
   </p:defaultTextStyle>
+  <p:extLst>
+    <p:ext uri="{EFAFB233-063F-42B5-8137-9DF3F51BA10A}">
+      <p15:sldGuideLst xmlns:p15="http://schemas.microsoft.com/office/powerpoint/2012/main"/>
+    </p:ext>
+  </p:extLst>
 </p:presentation>
 </file>
 
@@ -161,7 +169,6 @@
               <a:rPr lang="ko-KR" altLang="en-US"/>
               <a:t>마스터 제목 스타일 편집</a:t>
             </a:r>
-            <a:endParaRPr lang="ko-KR" altLang="en-US"/>
           </a:p>
         </p:txBody>
       </p:sp>
@@ -226,7 +233,6 @@
               <a:rPr lang="ko-KR" altLang="en-US"/>
               <a:t>클릭하여 마스터 부제목 스타일 편집</a:t>
             </a:r>
-            <a:endParaRPr lang="ko-KR" altLang="en-US"/>
           </a:p>
         </p:txBody>
       </p:sp>
@@ -247,7 +253,7 @@
           <a:p>
             <a:fld id="{DD60200B-70F8-46A2-AC72-3057C526F4C5}" type="datetimeFigureOut">
               <a:rPr lang="ko-KR" altLang="en-US" smtClean="0"/>
-              <a:t>2016-12-28</a:t>
+              <a:t>2017-01-02</a:t>
             </a:fld>
             <a:endParaRPr lang="ko-KR" altLang="en-US"/>
           </a:p>
@@ -344,7 +350,6 @@
               <a:rPr lang="ko-KR" altLang="en-US"/>
               <a:t>마스터 제목 스타일 편집</a:t>
             </a:r>
-            <a:endParaRPr lang="ko-KR" altLang="en-US"/>
           </a:p>
         </p:txBody>
       </p:sp>
@@ -396,7 +401,6 @@
               <a:rPr lang="ko-KR" altLang="en-US"/>
               <a:t>다섯째 수준</a:t>
             </a:r>
-            <a:endParaRPr lang="ko-KR" altLang="en-US"/>
           </a:p>
         </p:txBody>
       </p:sp>
@@ -417,7 +421,7 @@
           <a:p>
             <a:fld id="{DD60200B-70F8-46A2-AC72-3057C526F4C5}" type="datetimeFigureOut">
               <a:rPr lang="ko-KR" altLang="en-US" smtClean="0"/>
-              <a:t>2016-12-28</a:t>
+              <a:t>2017-01-02</a:t>
             </a:fld>
             <a:endParaRPr lang="ko-KR" altLang="en-US"/>
           </a:p>
@@ -519,7 +523,6 @@
               <a:rPr lang="ko-KR" altLang="en-US"/>
               <a:t>마스터 제목 스타일 편집</a:t>
             </a:r>
-            <a:endParaRPr lang="ko-KR" altLang="en-US"/>
           </a:p>
         </p:txBody>
       </p:sp>
@@ -576,7 +579,6 @@
               <a:rPr lang="ko-KR" altLang="en-US"/>
               <a:t>다섯째 수준</a:t>
             </a:r>
-            <a:endParaRPr lang="ko-KR" altLang="en-US"/>
           </a:p>
         </p:txBody>
       </p:sp>
@@ -597,7 +599,7 @@
           <a:p>
             <a:fld id="{DD60200B-70F8-46A2-AC72-3057C526F4C5}" type="datetimeFigureOut">
               <a:rPr lang="ko-KR" altLang="en-US" smtClean="0"/>
-              <a:t>2016-12-28</a:t>
+              <a:t>2017-01-02</a:t>
             </a:fld>
             <a:endParaRPr lang="ko-KR" altLang="en-US"/>
           </a:p>
@@ -694,7 +696,6 @@
               <a:rPr lang="ko-KR" altLang="en-US"/>
               <a:t>마스터 제목 스타일 편집</a:t>
             </a:r>
-            <a:endParaRPr lang="ko-KR" altLang="en-US"/>
           </a:p>
         </p:txBody>
       </p:sp>
@@ -746,7 +747,6 @@
               <a:rPr lang="ko-KR" altLang="en-US"/>
               <a:t>다섯째 수준</a:t>
             </a:r>
-            <a:endParaRPr lang="ko-KR" altLang="en-US"/>
           </a:p>
         </p:txBody>
       </p:sp>
@@ -767,7 +767,7 @@
           <a:p>
             <a:fld id="{DD60200B-70F8-46A2-AC72-3057C526F4C5}" type="datetimeFigureOut">
               <a:rPr lang="ko-KR" altLang="en-US" smtClean="0"/>
-              <a:t>2016-12-28</a:t>
+              <a:t>2017-01-02</a:t>
             </a:fld>
             <a:endParaRPr lang="ko-KR" altLang="en-US"/>
           </a:p>
@@ -873,7 +873,6 @@
               <a:rPr lang="ko-KR" altLang="en-US"/>
               <a:t>마스터 제목 스타일 편집</a:t>
             </a:r>
-            <a:endParaRPr lang="ko-KR" altLang="en-US"/>
           </a:p>
         </p:txBody>
       </p:sp>
@@ -1013,7 +1012,7 @@
           <a:p>
             <a:fld id="{DD60200B-70F8-46A2-AC72-3057C526F4C5}" type="datetimeFigureOut">
               <a:rPr lang="ko-KR" altLang="en-US" smtClean="0"/>
-              <a:t>2016-12-28</a:t>
+              <a:t>2017-01-02</a:t>
             </a:fld>
             <a:endParaRPr lang="ko-KR" altLang="en-US"/>
           </a:p>
@@ -1110,7 +1109,6 @@
               <a:rPr lang="ko-KR" altLang="en-US"/>
               <a:t>마스터 제목 스타일 편집</a:t>
             </a:r>
-            <a:endParaRPr lang="ko-KR" altLang="en-US"/>
           </a:p>
         </p:txBody>
       </p:sp>
@@ -1167,7 +1165,6 @@
               <a:rPr lang="ko-KR" altLang="en-US"/>
               <a:t>다섯째 수준</a:t>
             </a:r>
-            <a:endParaRPr lang="ko-KR" altLang="en-US"/>
           </a:p>
         </p:txBody>
       </p:sp>
@@ -1224,7 +1221,6 @@
               <a:rPr lang="ko-KR" altLang="en-US"/>
               <a:t>다섯째 수준</a:t>
             </a:r>
-            <a:endParaRPr lang="ko-KR" altLang="en-US"/>
           </a:p>
         </p:txBody>
       </p:sp>
@@ -1245,7 +1241,7 @@
           <a:p>
             <a:fld id="{DD60200B-70F8-46A2-AC72-3057C526F4C5}" type="datetimeFigureOut">
               <a:rPr lang="ko-KR" altLang="en-US" smtClean="0"/>
-              <a:t>2016-12-28</a:t>
+              <a:t>2017-01-02</a:t>
             </a:fld>
             <a:endParaRPr lang="ko-KR" altLang="en-US"/>
           </a:p>
@@ -1347,7 +1343,6 @@
               <a:rPr lang="ko-KR" altLang="en-US"/>
               <a:t>마스터 제목 스타일 편집</a:t>
             </a:r>
-            <a:endParaRPr lang="ko-KR" altLang="en-US"/>
           </a:p>
         </p:txBody>
       </p:sp>
@@ -1469,7 +1464,6 @@
               <a:rPr lang="ko-KR" altLang="en-US"/>
               <a:t>다섯째 수준</a:t>
             </a:r>
-            <a:endParaRPr lang="ko-KR" altLang="en-US"/>
           </a:p>
         </p:txBody>
       </p:sp>
@@ -1591,7 +1585,6 @@
               <a:rPr lang="ko-KR" altLang="en-US"/>
               <a:t>다섯째 수준</a:t>
             </a:r>
-            <a:endParaRPr lang="ko-KR" altLang="en-US"/>
           </a:p>
         </p:txBody>
       </p:sp>
@@ -1612,7 +1605,7 @@
           <a:p>
             <a:fld id="{DD60200B-70F8-46A2-AC72-3057C526F4C5}" type="datetimeFigureOut">
               <a:rPr lang="ko-KR" altLang="en-US" smtClean="0"/>
-              <a:t>2016-12-28</a:t>
+              <a:t>2017-01-02</a:t>
             </a:fld>
             <a:endParaRPr lang="ko-KR" altLang="en-US"/>
           </a:p>
@@ -1709,7 +1702,6 @@
               <a:rPr lang="ko-KR" altLang="en-US"/>
               <a:t>마스터 제목 스타일 편집</a:t>
             </a:r>
-            <a:endParaRPr lang="ko-KR" altLang="en-US"/>
           </a:p>
         </p:txBody>
       </p:sp>
@@ -1730,7 +1722,7 @@
           <a:p>
             <a:fld id="{DD60200B-70F8-46A2-AC72-3057C526F4C5}" type="datetimeFigureOut">
               <a:rPr lang="ko-KR" altLang="en-US" smtClean="0"/>
-              <a:t>2016-12-28</a:t>
+              <a:t>2017-01-02</a:t>
             </a:fld>
             <a:endParaRPr lang="ko-KR" altLang="en-US"/>
           </a:p>
@@ -1825,7 +1817,7 @@
           <a:p>
             <a:fld id="{DD60200B-70F8-46A2-AC72-3057C526F4C5}" type="datetimeFigureOut">
               <a:rPr lang="ko-KR" altLang="en-US" smtClean="0"/>
-              <a:t>2016-12-28</a:t>
+              <a:t>2017-01-02</a:t>
             </a:fld>
             <a:endParaRPr lang="ko-KR" altLang="en-US"/>
           </a:p>
@@ -1931,7 +1923,6 @@
               <a:rPr lang="ko-KR" altLang="en-US"/>
               <a:t>마스터 제목 스타일 편집</a:t>
             </a:r>
-            <a:endParaRPr lang="ko-KR" altLang="en-US"/>
           </a:p>
         </p:txBody>
       </p:sp>
@@ -2016,7 +2007,6 @@
               <a:rPr lang="ko-KR" altLang="en-US"/>
               <a:t>다섯째 수준</a:t>
             </a:r>
-            <a:endParaRPr lang="ko-KR" altLang="en-US"/>
           </a:p>
         </p:txBody>
       </p:sp>
@@ -2102,7 +2092,7 @@
           <a:p>
             <a:fld id="{DD60200B-70F8-46A2-AC72-3057C526F4C5}" type="datetimeFigureOut">
               <a:rPr lang="ko-KR" altLang="en-US" smtClean="0"/>
-              <a:t>2016-12-28</a:t>
+              <a:t>2017-01-02</a:t>
             </a:fld>
             <a:endParaRPr lang="ko-KR" altLang="en-US"/>
           </a:p>
@@ -2208,7 +2198,6 @@
               <a:rPr lang="ko-KR" altLang="en-US"/>
               <a:t>마스터 제목 스타일 편집</a:t>
             </a:r>
-            <a:endParaRPr lang="ko-KR" altLang="en-US"/>
           </a:p>
         </p:txBody>
       </p:sp>
@@ -2355,7 +2344,7 @@
           <a:p>
             <a:fld id="{DD60200B-70F8-46A2-AC72-3057C526F4C5}" type="datetimeFigureOut">
               <a:rPr lang="ko-KR" altLang="en-US" smtClean="0"/>
-              <a:t>2016-12-28</a:t>
+              <a:t>2017-01-02</a:t>
             </a:fld>
             <a:endParaRPr lang="ko-KR" altLang="en-US"/>
           </a:p>
@@ -2497,7 +2486,6 @@
               <a:rPr lang="ko-KR" altLang="en-US"/>
               <a:t>마스터 제목 스타일 편집</a:t>
             </a:r>
-            <a:endParaRPr lang="ko-KR" altLang="en-US"/>
           </a:p>
         </p:txBody>
       </p:sp>
@@ -2559,7 +2547,6 @@
               <a:rPr lang="ko-KR" altLang="en-US"/>
               <a:t>다섯째 수준</a:t>
             </a:r>
-            <a:endParaRPr lang="ko-KR" altLang="en-US"/>
           </a:p>
         </p:txBody>
       </p:sp>
@@ -2598,7 +2585,7 @@
           <a:p>
             <a:fld id="{DD60200B-70F8-46A2-AC72-3057C526F4C5}" type="datetimeFigureOut">
               <a:rPr lang="ko-KR" altLang="en-US" smtClean="0"/>
-              <a:t>2016-12-28</a:t>
+              <a:t>2017-01-02</a:t>
             </a:fld>
             <a:endParaRPr lang="ko-KR" altLang="en-US"/>
           </a:p>
@@ -3401,6 +3388,458 @@
 </p:sld>
 </file>
 
+<file path=ppt/slides/slide11.xml><?xml version="1.0" encoding="utf-8"?>
+<p:sld xmlns:a="http://schemas.openxmlformats.org/drawingml/2006/main" xmlns:r="http://schemas.openxmlformats.org/officeDocument/2006/relationships" xmlns:p="http://schemas.openxmlformats.org/presentationml/2006/main">
+  <p:cSld>
+    <p:spTree>
+      <p:nvGrpSpPr>
+        <p:cNvPr id="1" name=""/>
+        <p:cNvGrpSpPr/>
+        <p:nvPr/>
+      </p:nvGrpSpPr>
+      <p:grpSpPr>
+        <a:xfrm>
+          <a:off x="0" y="0"/>
+          <a:ext cx="0" cy="0"/>
+          <a:chOff x="0" y="0"/>
+          <a:chExt cx="0" cy="0"/>
+        </a:xfrm>
+      </p:grpSpPr>
+      <p:sp>
+        <p:nvSpPr>
+          <p:cNvPr id="2" name="제목 1"/>
+          <p:cNvSpPr>
+            <a:spLocks noGrp="1"/>
+          </p:cNvSpPr>
+          <p:nvPr>
+            <p:ph type="title"/>
+          </p:nvPr>
+        </p:nvSpPr>
+        <p:spPr/>
+        <p:txBody>
+          <a:bodyPr/>
+          <a:lstStyle/>
+          <a:p>
+            <a:r>
+              <a:rPr lang="en-US" altLang="ko-KR" dirty="0"/>
+              <a:t>InsertUpdateCustomPropertyActivity.java</a:t>
+            </a:r>
+            <a:endParaRPr lang="ko-KR" altLang="en-US" dirty="0"/>
+          </a:p>
+        </p:txBody>
+      </p:sp>
+      <p:sp>
+        <p:nvSpPr>
+          <p:cNvPr id="3" name="내용 개체 틀 2"/>
+          <p:cNvSpPr>
+            <a:spLocks noGrp="1"/>
+          </p:cNvSpPr>
+          <p:nvPr>
+            <p:ph idx="1"/>
+          </p:nvPr>
+        </p:nvSpPr>
+        <p:spPr/>
+        <p:txBody>
+          <a:bodyPr>
+            <a:normAutofit fontScale="92500" lnSpcReduction="10000"/>
+          </a:bodyPr>
+          <a:lstStyle/>
+          <a:p>
+            <a:r>
+              <a:rPr lang="en-US" altLang="ko-KR" dirty="0"/>
+              <a:t>Illustrate how to update or insert custom properties into a file.</a:t>
+            </a:r>
+          </a:p>
+          <a:p>
+            <a:endParaRPr lang="en-US" altLang="ko-KR" dirty="0"/>
+          </a:p>
+          <a:p>
+            <a:pPr marL="0" indent="0">
+              <a:buNone/>
+            </a:pPr>
+            <a:r>
+              <a:rPr lang="en-US" altLang="ko-KR" dirty="0" err="1"/>
+              <a:t>CustomPropertyKey</a:t>
+            </a:r>
+            <a:r>
+              <a:rPr lang="en-US" altLang="ko-KR" dirty="0"/>
+              <a:t> k1 = new </a:t>
+            </a:r>
+            <a:r>
+              <a:rPr lang="en-US" altLang="ko-KR" dirty="0" err="1"/>
+              <a:t>CustomPropertyKey</a:t>
+            </a:r>
+            <a:r>
+              <a:rPr lang="en-US" altLang="ko-KR" dirty="0"/>
+              <a:t>(“submitted”, 	</a:t>
+            </a:r>
+            <a:r>
+              <a:rPr lang="en-US" altLang="ko-KR" dirty="0" err="1"/>
+              <a:t>CustomPropertyKey.PUBLIC</a:t>
+            </a:r>
+            <a:r>
+              <a:rPr lang="en-US" altLang="ko-KR" dirty="0"/>
+              <a:t>)</a:t>
+            </a:r>
+          </a:p>
+          <a:p>
+            <a:pPr marL="0" indent="0">
+              <a:buNone/>
+            </a:pPr>
+            <a:r>
+              <a:rPr lang="en-US" altLang="ko-KR" dirty="0" err="1"/>
+              <a:t>MetadataChangeSet.Builder</a:t>
+            </a:r>
+            <a:r>
+              <a:rPr lang="en-US" altLang="ko-KR" dirty="0"/>
+              <a:t> </a:t>
+            </a:r>
+            <a:r>
+              <a:rPr lang="en-US" altLang="ko-KR" dirty="0" err="1"/>
+              <a:t>cs</a:t>
+            </a:r>
+            <a:r>
+              <a:rPr lang="en-US" altLang="ko-KR" dirty="0"/>
+              <a:t> = new 	</a:t>
+            </a:r>
+            <a:r>
+              <a:rPr lang="en-US" altLang="ko-KR" dirty="0" err="1"/>
+              <a:t>MetadataChangeSet.Builder</a:t>
+            </a:r>
+            <a:r>
+              <a:rPr lang="en-US" altLang="ko-KR" dirty="0"/>
+              <a:t>( )</a:t>
+            </a:r>
+          </a:p>
+          <a:p>
+            <a:pPr marL="0" indent="0">
+              <a:buNone/>
+            </a:pPr>
+            <a:r>
+              <a:rPr lang="en-US" altLang="ko-KR" dirty="0" err="1"/>
+              <a:t>cs.SetCustomProperty</a:t>
+            </a:r>
+            <a:r>
+              <a:rPr lang="en-US" altLang="ko-KR" dirty="0"/>
+              <a:t>(k1, “string1”);</a:t>
+            </a:r>
+          </a:p>
+          <a:p>
+            <a:pPr marL="0" indent="0">
+              <a:buNone/>
+            </a:pPr>
+            <a:r>
+              <a:rPr lang="en-US" altLang="ko-KR" dirty="0" err="1"/>
+              <a:t>driveFile.updateMetadata</a:t>
+            </a:r>
+            <a:r>
+              <a:rPr lang="en-US" altLang="ko-KR" dirty="0"/>
+              <a:t>( </a:t>
+            </a:r>
+            <a:r>
+              <a:rPr lang="en-US" altLang="ko-KR" dirty="0" err="1"/>
+              <a:t>getGoolgeApiClient</a:t>
+            </a:r>
+            <a:r>
+              <a:rPr lang="en-US" altLang="ko-KR" dirty="0"/>
+              <a:t>(),</a:t>
+            </a:r>
+          </a:p>
+          <a:p>
+            <a:pPr marL="0" indent="0">
+              <a:buNone/>
+            </a:pPr>
+            <a:r>
+              <a:rPr lang="en-US" altLang="ko-KR" dirty="0"/>
+              <a:t>	</a:t>
+            </a:r>
+            <a:r>
+              <a:rPr lang="en-US" altLang="ko-KR" dirty="0" err="1"/>
+              <a:t>cs.build</a:t>
+            </a:r>
+            <a:r>
+              <a:rPr lang="en-US" altLang="ko-KR" dirty="0"/>
+              <a:t>( ) ).</a:t>
+            </a:r>
+            <a:r>
+              <a:rPr lang="en-US" altLang="ko-KR" dirty="0" err="1"/>
+              <a:t>setResultCallback</a:t>
+            </a:r>
+            <a:r>
+              <a:rPr lang="en-US" altLang="ko-KR" dirty="0"/>
+              <a:t>( callback )</a:t>
+            </a:r>
+          </a:p>
+          <a:p>
+            <a:pPr marL="0" indent="0">
+              <a:buNone/>
+            </a:pPr>
+            <a:r>
+              <a:rPr lang="en-US" altLang="ko-KR" dirty="0"/>
+              <a:t>.	.	.</a:t>
+            </a:r>
+            <a:endParaRPr lang="ko-KR" altLang="en-US" dirty="0"/>
+          </a:p>
+        </p:txBody>
+      </p:sp>
+    </p:spTree>
+    <p:extLst>
+      <p:ext uri="{BB962C8B-B14F-4D97-AF65-F5344CB8AC3E}">
+        <p14:creationId xmlns:p14="http://schemas.microsoft.com/office/powerpoint/2010/main" val="3136632693"/>
+      </p:ext>
+    </p:extLst>
+  </p:cSld>
+  <p:clrMapOvr>
+    <a:masterClrMapping/>
+  </p:clrMapOvr>
+</p:sld>
+</file>
+
+<file path=ppt/slides/slide12.xml><?xml version="1.0" encoding="utf-8"?>
+<p:sld xmlns:a="http://schemas.openxmlformats.org/drawingml/2006/main" xmlns:r="http://schemas.openxmlformats.org/officeDocument/2006/relationships" xmlns:p="http://schemas.openxmlformats.org/presentationml/2006/main">
+  <p:cSld>
+    <p:spTree>
+      <p:nvGrpSpPr>
+        <p:cNvPr id="1" name=""/>
+        <p:cNvGrpSpPr/>
+        <p:nvPr/>
+      </p:nvGrpSpPr>
+      <p:grpSpPr>
+        <a:xfrm>
+          <a:off x="0" y="0"/>
+          <a:ext cx="0" cy="0"/>
+          <a:chOff x="0" y="0"/>
+          <a:chExt cx="0" cy="0"/>
+        </a:xfrm>
+      </p:grpSpPr>
+      <p:sp>
+        <p:nvSpPr>
+          <p:cNvPr id="2" name="제목 1"/>
+          <p:cNvSpPr>
+            <a:spLocks noGrp="1"/>
+          </p:cNvSpPr>
+          <p:nvPr>
+            <p:ph type="title"/>
+          </p:nvPr>
+        </p:nvSpPr>
+        <p:spPr/>
+        <p:txBody>
+          <a:bodyPr/>
+          <a:lstStyle/>
+          <a:p>
+            <a:r>
+              <a:rPr lang="en-US" altLang="ko-KR" dirty="0"/>
+              <a:t>ListFilesActivity.java</a:t>
+            </a:r>
+            <a:endParaRPr lang="ko-KR" altLang="en-US" dirty="0"/>
+          </a:p>
+        </p:txBody>
+      </p:sp>
+      <p:sp>
+        <p:nvSpPr>
+          <p:cNvPr id="3" name="내용 개체 틀 2"/>
+          <p:cNvSpPr>
+            <a:spLocks noGrp="1"/>
+          </p:cNvSpPr>
+          <p:nvPr>
+            <p:ph idx="1"/>
+          </p:nvPr>
+        </p:nvSpPr>
+        <p:spPr/>
+        <p:txBody>
+          <a:bodyPr/>
+          <a:lstStyle/>
+          <a:p>
+            <a:pPr marL="0" indent="0">
+              <a:buNone/>
+            </a:pPr>
+            <a:r>
+              <a:rPr lang="en-US" altLang="ko-KR" dirty="0" err="1"/>
+              <a:t>onResult</a:t>
+            </a:r>
+            <a:r>
+              <a:rPr lang="en-US" altLang="ko-KR" dirty="0"/>
+              <a:t>( </a:t>
+            </a:r>
+            <a:r>
+              <a:rPr lang="en-US" altLang="ko-KR" dirty="0" err="1"/>
+              <a:t>MetadataBufferResult</a:t>
+            </a:r>
+            <a:r>
+              <a:rPr lang="en-US" altLang="ko-KR" dirty="0"/>
+              <a:t> result ) {</a:t>
+            </a:r>
+          </a:p>
+          <a:p>
+            <a:pPr marL="0" indent="0">
+              <a:buNone/>
+            </a:pPr>
+            <a:r>
+              <a:rPr lang="en-US" altLang="ko-KR" dirty="0"/>
+              <a:t>	.	.	.</a:t>
+            </a:r>
+          </a:p>
+          <a:p>
+            <a:pPr marL="0" indent="0">
+              <a:buNone/>
+            </a:pPr>
+            <a:r>
+              <a:rPr lang="en-US" altLang="ko-KR" dirty="0"/>
+              <a:t>	_</a:t>
+            </a:r>
+            <a:r>
+              <a:rPr lang="en-US" altLang="ko-KR" dirty="0" err="1"/>
+              <a:t>adapter.append</a:t>
+            </a:r>
+            <a:r>
+              <a:rPr lang="en-US" altLang="ko-KR" dirty="0"/>
+              <a:t>( </a:t>
+            </a:r>
+            <a:r>
+              <a:rPr lang="en-US" altLang="ko-KR" dirty="0" err="1"/>
+              <a:t>result.getMetadataBuffer</a:t>
+            </a:r>
+            <a:r>
+              <a:rPr lang="en-US" altLang="ko-KR" dirty="0"/>
+              <a:t>( ) )</a:t>
+            </a:r>
+          </a:p>
+          <a:p>
+            <a:pPr marL="0" indent="0">
+              <a:buNone/>
+            </a:pPr>
+            <a:r>
+              <a:rPr lang="en-US" altLang="ko-KR" dirty="0"/>
+              <a:t>	_</a:t>
+            </a:r>
+            <a:r>
+              <a:rPr lang="en-US" altLang="ko-KR" dirty="0" err="1"/>
+              <a:t>nextPageToken</a:t>
+            </a:r>
+            <a:r>
+              <a:rPr lang="en-US" altLang="ko-KR" dirty="0"/>
+              <a:t> = 			</a:t>
+            </a:r>
+          </a:p>
+          <a:p>
+            <a:pPr marL="0" indent="0">
+              <a:buNone/>
+            </a:pPr>
+            <a:r>
+              <a:rPr lang="en-US" altLang="ko-KR" dirty="0"/>
+              <a:t>		</a:t>
+            </a:r>
+            <a:r>
+              <a:rPr lang="en-US" altLang="ko-KR" dirty="0" err="1"/>
+              <a:t>result.getMetadataBuffer</a:t>
+            </a:r>
+            <a:r>
+              <a:rPr lang="en-US" altLang="ko-KR" dirty="0"/>
+              <a:t>( ).</a:t>
+            </a:r>
+            <a:r>
+              <a:rPr lang="en-US" altLang="ko-KR" dirty="0" err="1"/>
+              <a:t>getNextPageToken</a:t>
+            </a:r>
+            <a:r>
+              <a:rPr lang="en-US" altLang="ko-KR" dirty="0"/>
+              <a:t>( )</a:t>
+            </a:r>
+            <a:endParaRPr lang="ko-KR" altLang="en-US" dirty="0"/>
+          </a:p>
+        </p:txBody>
+      </p:sp>
+    </p:spTree>
+    <p:extLst>
+      <p:ext uri="{BB962C8B-B14F-4D97-AF65-F5344CB8AC3E}">
+        <p14:creationId xmlns:p14="http://schemas.microsoft.com/office/powerpoint/2010/main" val="3513248093"/>
+      </p:ext>
+    </p:extLst>
+  </p:cSld>
+  <p:clrMapOvr>
+    <a:masterClrMapping/>
+  </p:clrMapOvr>
+</p:sld>
+</file>
+
+<file path=ppt/slides/slide13.xml><?xml version="1.0" encoding="utf-8"?>
+<p:sld xmlns:a="http://schemas.openxmlformats.org/drawingml/2006/main" xmlns:r="http://schemas.openxmlformats.org/officeDocument/2006/relationships" xmlns:p="http://schemas.openxmlformats.org/presentationml/2006/main">
+  <p:cSld>
+    <p:spTree>
+      <p:nvGrpSpPr>
+        <p:cNvPr id="1" name=""/>
+        <p:cNvGrpSpPr/>
+        <p:nvPr/>
+      </p:nvGrpSpPr>
+      <p:grpSpPr>
+        <a:xfrm>
+          <a:off x="0" y="0"/>
+          <a:ext cx="0" cy="0"/>
+          <a:chOff x="0" y="0"/>
+          <a:chExt cx="0" cy="0"/>
+        </a:xfrm>
+      </p:grpSpPr>
+      <p:sp>
+        <p:nvSpPr>
+          <p:cNvPr id="2" name="제목 1"/>
+          <p:cNvSpPr>
+            <a:spLocks noGrp="1"/>
+          </p:cNvSpPr>
+          <p:nvPr>
+            <p:ph type="title"/>
+          </p:nvPr>
+        </p:nvSpPr>
+        <p:spPr/>
+        <p:txBody>
+          <a:bodyPr/>
+          <a:lstStyle/>
+          <a:p>
+            <a:r>
+              <a:rPr lang="en-US" altLang="ko-KR" dirty="0"/>
+              <a:t>ListFilesInFolderActivity.java</a:t>
+            </a:r>
+            <a:endParaRPr lang="ko-KR" altLang="en-US" dirty="0"/>
+          </a:p>
+        </p:txBody>
+      </p:sp>
+      <p:sp>
+        <p:nvSpPr>
+          <p:cNvPr id="3" name="내용 개체 틀 2"/>
+          <p:cNvSpPr>
+            <a:spLocks noGrp="1"/>
+          </p:cNvSpPr>
+          <p:nvPr>
+            <p:ph idx="1"/>
+          </p:nvPr>
+        </p:nvSpPr>
+        <p:spPr/>
+        <p:txBody>
+          <a:bodyPr/>
+          <a:lstStyle/>
+          <a:p>
+            <a:r>
+              <a:rPr lang="en-US" altLang="ko-KR" dirty="0"/>
+              <a:t>How to list files in a folder</a:t>
+            </a:r>
+          </a:p>
+          <a:p>
+            <a:endParaRPr lang="ko-KR" altLang="en-US" dirty="0"/>
+          </a:p>
+        </p:txBody>
+      </p:sp>
+    </p:spTree>
+    <p:extLst>
+      <p:ext uri="{BB962C8B-B14F-4D97-AF65-F5344CB8AC3E}">
+        <p14:creationId xmlns:p14="http://schemas.microsoft.com/office/powerpoint/2010/main" val="3918045417"/>
+      </p:ext>
+    </p:extLst>
+  </p:cSld>
+  <p:clrMapOvr>
+    <a:masterClrMapping/>
+  </p:clrMapOvr>
+</p:sld>
+</file>
+
 <file path=ppt/slides/slide2.xml><?xml version="1.0" encoding="utf-8"?>
 <p:sld xmlns:a="http://schemas.openxmlformats.org/drawingml/2006/main" xmlns:r="http://schemas.openxmlformats.org/officeDocument/2006/relationships" xmlns:p="http://schemas.openxmlformats.org/presentationml/2006/main">
   <p:cSld>

--- a/Android/GoogleDrive_AndroidDemo.pptx
+++ b/Android/GoogleDrive_AndroidDemo.pptx
@@ -18,6 +18,7 @@
     <p:sldId id="266" r:id="rId12"/>
     <p:sldId id="267" r:id="rId13"/>
     <p:sldId id="268" r:id="rId14"/>
+    <p:sldId id="269" r:id="rId15"/>
   </p:sldIdLst>
   <p:sldSz cx="12192000" cy="6858000"/>
   <p:notesSz cx="6858000" cy="9144000"/>
@@ -3840,6 +3841,197 @@
 </p:sld>
 </file>
 
+<file path=ppt/slides/slide14.xml><?xml version="1.0" encoding="utf-8"?>
+<p:sld xmlns:a="http://schemas.openxmlformats.org/drawingml/2006/main" xmlns:r="http://schemas.openxmlformats.org/officeDocument/2006/relationships" xmlns:p="http://schemas.openxmlformats.org/presentationml/2006/main">
+  <p:cSld>
+    <p:spTree>
+      <p:nvGrpSpPr>
+        <p:cNvPr id="1" name=""/>
+        <p:cNvGrpSpPr/>
+        <p:nvPr/>
+      </p:nvGrpSpPr>
+      <p:grpSpPr>
+        <a:xfrm>
+          <a:off x="0" y="0"/>
+          <a:ext cx="0" cy="0"/>
+          <a:chOff x="0" y="0"/>
+          <a:chExt cx="0" cy="0"/>
+        </a:xfrm>
+      </p:grpSpPr>
+      <p:sp>
+        <p:nvSpPr>
+          <p:cNvPr id="2" name="제목 1"/>
+          <p:cNvSpPr>
+            <a:spLocks noGrp="1"/>
+          </p:cNvSpPr>
+          <p:nvPr>
+            <p:ph type="title"/>
+          </p:nvPr>
+        </p:nvSpPr>
+        <p:spPr/>
+        <p:txBody>
+          <a:bodyPr/>
+          <a:lstStyle/>
+          <a:p>
+            <a:r>
+              <a:rPr lang="en-US" altLang="ko-KR" dirty="0" err="1"/>
+              <a:t>PickFileWithOpenerActivity</a:t>
+            </a:r>
+            <a:r>
+              <a:rPr lang="en-US" altLang="ko-KR" err="1"/>
+              <a:t>.</a:t>
+            </a:r>
+            <a:r>
+              <a:rPr lang="en-US" altLang="ko-KR"/>
+              <a:t>jav</a:t>
+            </a:r>
+            <a:r>
+              <a:rPr lang="en-US" altLang="ko-KR"/>
+              <a:t>a</a:t>
+            </a:r>
+            <a:endParaRPr lang="ko-KR" altLang="en-US" dirty="0"/>
+          </a:p>
+        </p:txBody>
+      </p:sp>
+      <p:sp>
+        <p:nvSpPr>
+          <p:cNvPr id="3" name="내용 개체 틀 2"/>
+          <p:cNvSpPr>
+            <a:spLocks noGrp="1"/>
+          </p:cNvSpPr>
+          <p:nvPr>
+            <p:ph idx="1"/>
+          </p:nvPr>
+        </p:nvSpPr>
+        <p:spPr/>
+        <p:txBody>
+          <a:bodyPr>
+            <a:normAutofit lnSpcReduction="10000"/>
+          </a:bodyPr>
+          <a:lstStyle/>
+          <a:p>
+            <a:r>
+              <a:rPr lang="en-US" altLang="ko-KR" dirty="0"/>
+              <a:t>how to pick a file with the opener intent.</a:t>
+            </a:r>
+          </a:p>
+          <a:p>
+            <a:endParaRPr lang="en-US" altLang="ko-KR" dirty="0"/>
+          </a:p>
+          <a:p>
+            <a:pPr marL="0" indent="0">
+              <a:buNone/>
+            </a:pPr>
+            <a:r>
+              <a:rPr lang="en-US" altLang="ko-KR" dirty="0" err="1"/>
+              <a:t>IntentSender</a:t>
+            </a:r>
+            <a:r>
+              <a:rPr lang="en-US" altLang="ko-KR" dirty="0"/>
+              <a:t> is = </a:t>
+            </a:r>
+            <a:r>
+              <a:rPr lang="en-US" altLang="ko-KR" dirty="0" err="1"/>
+              <a:t>Drive.DriveApi.newOpenFileActivityBuilder</a:t>
+            </a:r>
+            <a:r>
+              <a:rPr lang="en-US" altLang="ko-KR" dirty="0"/>
+              <a:t>( )</a:t>
+            </a:r>
+          </a:p>
+          <a:p>
+            <a:pPr marL="0" indent="0">
+              <a:buNone/>
+            </a:pPr>
+            <a:r>
+              <a:rPr lang="en-US" altLang="ko-KR" dirty="0"/>
+              <a:t>	.</a:t>
+            </a:r>
+            <a:r>
+              <a:rPr lang="en-US" altLang="ko-KR" dirty="0" err="1"/>
+              <a:t>setMimeType</a:t>
+            </a:r>
+            <a:r>
+              <a:rPr lang="en-US" altLang="ko-KR" dirty="0"/>
+              <a:t>( new String[ ] { “text/plain”, “text/html” } )</a:t>
+            </a:r>
+          </a:p>
+          <a:p>
+            <a:pPr marL="0" indent="0">
+              <a:buNone/>
+            </a:pPr>
+            <a:r>
+              <a:rPr lang="en-US" altLang="ko-KR" dirty="0"/>
+              <a:t>	.build( </a:t>
+            </a:r>
+            <a:r>
+              <a:rPr lang="en-US" altLang="ko-KR" dirty="0" err="1"/>
+              <a:t>getGoogleApiClient</a:t>
+            </a:r>
+            <a:r>
+              <a:rPr lang="en-US" altLang="ko-KR" dirty="0"/>
+              <a:t>( ) )</a:t>
+            </a:r>
+          </a:p>
+          <a:p>
+            <a:pPr marL="0" indent="0">
+              <a:buNone/>
+            </a:pPr>
+            <a:r>
+              <a:rPr lang="en-US" altLang="ko-KR" dirty="0"/>
+              <a:t>try {</a:t>
+            </a:r>
+          </a:p>
+          <a:p>
+            <a:pPr marL="0" indent="0">
+              <a:buNone/>
+            </a:pPr>
+            <a:r>
+              <a:rPr lang="en-US" altLang="ko-KR" dirty="0"/>
+              <a:t>	</a:t>
+            </a:r>
+            <a:r>
+              <a:rPr lang="en-US" altLang="ko-KR" dirty="0" err="1"/>
+              <a:t>startIntentSenderForResult</a:t>
+            </a:r>
+            <a:r>
+              <a:rPr lang="en-US" altLang="ko-KR" dirty="0"/>
+              <a:t>( is, REQUEST_CODE_OPENER, </a:t>
+            </a:r>
+          </a:p>
+          <a:p>
+            <a:pPr marL="0" indent="0">
+              <a:buNone/>
+            </a:pPr>
+            <a:r>
+              <a:rPr lang="en-US" altLang="ko-KR" dirty="0"/>
+              <a:t>		null, 0, 0, 0 ) ;</a:t>
+            </a:r>
+          </a:p>
+          <a:p>
+            <a:pPr marL="0" indent="0">
+              <a:buNone/>
+            </a:pPr>
+            <a:r>
+              <a:rPr lang="en-US" altLang="ko-KR" dirty="0"/>
+              <a:t>} .	.	.</a:t>
+            </a:r>
+          </a:p>
+        </p:txBody>
+      </p:sp>
+    </p:spTree>
+    <p:extLst>
+      <p:ext uri="{BB962C8B-B14F-4D97-AF65-F5344CB8AC3E}">
+        <p14:creationId xmlns:p14="http://schemas.microsoft.com/office/powerpoint/2010/main" val="2916198968"/>
+      </p:ext>
+    </p:extLst>
+  </p:cSld>
+  <p:clrMapOvr>
+    <a:masterClrMapping/>
+  </p:clrMapOvr>
+</p:sld>
+</file>
+
 <file path=ppt/slides/slide2.xml><?xml version="1.0" encoding="utf-8"?>
 <p:sld xmlns:a="http://schemas.openxmlformats.org/drawingml/2006/main" xmlns:r="http://schemas.openxmlformats.org/officeDocument/2006/relationships" xmlns:p="http://schemas.openxmlformats.org/presentationml/2006/main">
   <p:cSld>

--- a/Android/GoogleDrive_AndroidDemo.pptx
+++ b/Android/GoogleDrive_AndroidDemo.pptx
@@ -19,6 +19,8 @@
     <p:sldId id="267" r:id="rId13"/>
     <p:sldId id="268" r:id="rId14"/>
     <p:sldId id="269" r:id="rId15"/>
+    <p:sldId id="270" r:id="rId16"/>
+    <p:sldId id="271" r:id="rId17"/>
   </p:sldIdLst>
   <p:sldSz cx="12192000" cy="6858000"/>
   <p:notesSz cx="6858000" cy="9144000"/>
@@ -254,7 +256,7 @@
           <a:p>
             <a:fld id="{DD60200B-70F8-46A2-AC72-3057C526F4C5}" type="datetimeFigureOut">
               <a:rPr lang="ko-KR" altLang="en-US" smtClean="0"/>
-              <a:t>2017-01-02</a:t>
+              <a:t>2017-01-04</a:t>
             </a:fld>
             <a:endParaRPr lang="ko-KR" altLang="en-US"/>
           </a:p>
@@ -422,7 +424,7 @@
           <a:p>
             <a:fld id="{DD60200B-70F8-46A2-AC72-3057C526F4C5}" type="datetimeFigureOut">
               <a:rPr lang="ko-KR" altLang="en-US" smtClean="0"/>
-              <a:t>2017-01-02</a:t>
+              <a:t>2017-01-04</a:t>
             </a:fld>
             <a:endParaRPr lang="ko-KR" altLang="en-US"/>
           </a:p>
@@ -600,7 +602,7 @@
           <a:p>
             <a:fld id="{DD60200B-70F8-46A2-AC72-3057C526F4C5}" type="datetimeFigureOut">
               <a:rPr lang="ko-KR" altLang="en-US" smtClean="0"/>
-              <a:t>2017-01-02</a:t>
+              <a:t>2017-01-04</a:t>
             </a:fld>
             <a:endParaRPr lang="ko-KR" altLang="en-US"/>
           </a:p>
@@ -768,7 +770,7 @@
           <a:p>
             <a:fld id="{DD60200B-70F8-46A2-AC72-3057C526F4C5}" type="datetimeFigureOut">
               <a:rPr lang="ko-KR" altLang="en-US" smtClean="0"/>
-              <a:t>2017-01-02</a:t>
+              <a:t>2017-01-04</a:t>
             </a:fld>
             <a:endParaRPr lang="ko-KR" altLang="en-US"/>
           </a:p>
@@ -1013,7 +1015,7 @@
           <a:p>
             <a:fld id="{DD60200B-70F8-46A2-AC72-3057C526F4C5}" type="datetimeFigureOut">
               <a:rPr lang="ko-KR" altLang="en-US" smtClean="0"/>
-              <a:t>2017-01-02</a:t>
+              <a:t>2017-01-04</a:t>
             </a:fld>
             <a:endParaRPr lang="ko-KR" altLang="en-US"/>
           </a:p>
@@ -1242,7 +1244,7 @@
           <a:p>
             <a:fld id="{DD60200B-70F8-46A2-AC72-3057C526F4C5}" type="datetimeFigureOut">
               <a:rPr lang="ko-KR" altLang="en-US" smtClean="0"/>
-              <a:t>2017-01-02</a:t>
+              <a:t>2017-01-04</a:t>
             </a:fld>
             <a:endParaRPr lang="ko-KR" altLang="en-US"/>
           </a:p>
@@ -1606,7 +1608,7 @@
           <a:p>
             <a:fld id="{DD60200B-70F8-46A2-AC72-3057C526F4C5}" type="datetimeFigureOut">
               <a:rPr lang="ko-KR" altLang="en-US" smtClean="0"/>
-              <a:t>2017-01-02</a:t>
+              <a:t>2017-01-04</a:t>
             </a:fld>
             <a:endParaRPr lang="ko-KR" altLang="en-US"/>
           </a:p>
@@ -1723,7 +1725,7 @@
           <a:p>
             <a:fld id="{DD60200B-70F8-46A2-AC72-3057C526F4C5}" type="datetimeFigureOut">
               <a:rPr lang="ko-KR" altLang="en-US" smtClean="0"/>
-              <a:t>2017-01-02</a:t>
+              <a:t>2017-01-04</a:t>
             </a:fld>
             <a:endParaRPr lang="ko-KR" altLang="en-US"/>
           </a:p>
@@ -1818,7 +1820,7 @@
           <a:p>
             <a:fld id="{DD60200B-70F8-46A2-AC72-3057C526F4C5}" type="datetimeFigureOut">
               <a:rPr lang="ko-KR" altLang="en-US" smtClean="0"/>
-              <a:t>2017-01-02</a:t>
+              <a:t>2017-01-04</a:t>
             </a:fld>
             <a:endParaRPr lang="ko-KR" altLang="en-US"/>
           </a:p>
@@ -2093,7 +2095,7 @@
           <a:p>
             <a:fld id="{DD60200B-70F8-46A2-AC72-3057C526F4C5}" type="datetimeFigureOut">
               <a:rPr lang="ko-KR" altLang="en-US" smtClean="0"/>
-              <a:t>2017-01-02</a:t>
+              <a:t>2017-01-04</a:t>
             </a:fld>
             <a:endParaRPr lang="ko-KR" altLang="en-US"/>
           </a:p>
@@ -2345,7 +2347,7 @@
           <a:p>
             <a:fld id="{DD60200B-70F8-46A2-AC72-3057C526F4C5}" type="datetimeFigureOut">
               <a:rPr lang="ko-KR" altLang="en-US" smtClean="0"/>
-              <a:t>2017-01-02</a:t>
+              <a:t>2017-01-04</a:t>
             </a:fld>
             <a:endParaRPr lang="ko-KR" altLang="en-US"/>
           </a:p>
@@ -2586,7 +2588,7 @@
           <a:p>
             <a:fld id="{DD60200B-70F8-46A2-AC72-3057C526F4C5}" type="datetimeFigureOut">
               <a:rPr lang="ko-KR" altLang="en-US" smtClean="0"/>
-              <a:t>2017-01-02</a:t>
+              <a:t>2017-01-04</a:t>
             </a:fld>
             <a:endParaRPr lang="ko-KR" altLang="en-US"/>
           </a:p>
@@ -3883,11 +3885,7 @@
             </a:r>
             <a:r>
               <a:rPr lang="en-US" altLang="ko-KR"/>
-              <a:t>jav</a:t>
-            </a:r>
-            <a:r>
-              <a:rPr lang="en-US" altLang="ko-KR"/>
-              <a:t>a</a:t>
+              <a:t>java</a:t>
             </a:r>
             <a:endParaRPr lang="ko-KR" altLang="en-US" dirty="0"/>
           </a:p>
@@ -4023,6 +4021,682 @@
     <p:extLst>
       <p:ext uri="{BB962C8B-B14F-4D97-AF65-F5344CB8AC3E}">
         <p14:creationId xmlns:p14="http://schemas.microsoft.com/office/powerpoint/2010/main" val="2916198968"/>
+      </p:ext>
+    </p:extLst>
+  </p:cSld>
+  <p:clrMapOvr>
+    <a:masterClrMapping/>
+  </p:clrMapOvr>
+</p:sld>
+</file>
+
+<file path=ppt/slides/slide15.xml><?xml version="1.0" encoding="utf-8"?>
+<p:sld xmlns:a="http://schemas.openxmlformats.org/drawingml/2006/main" xmlns:r="http://schemas.openxmlformats.org/officeDocument/2006/relationships" xmlns:p="http://schemas.openxmlformats.org/presentationml/2006/main">
+  <p:cSld>
+    <p:spTree>
+      <p:nvGrpSpPr>
+        <p:cNvPr id="1" name=""/>
+        <p:cNvGrpSpPr/>
+        <p:nvPr/>
+      </p:nvGrpSpPr>
+      <p:grpSpPr>
+        <a:xfrm>
+          <a:off x="0" y="0"/>
+          <a:ext cx="0" cy="0"/>
+          <a:chOff x="0" y="0"/>
+          <a:chExt cx="0" cy="0"/>
+        </a:xfrm>
+      </p:grpSpPr>
+      <p:sp>
+        <p:nvSpPr>
+          <p:cNvPr id="2" name="제목 1"/>
+          <p:cNvSpPr>
+            <a:spLocks noGrp="1"/>
+          </p:cNvSpPr>
+          <p:nvPr>
+            <p:ph type="title"/>
+          </p:nvPr>
+        </p:nvSpPr>
+        <p:spPr/>
+        <p:txBody>
+          <a:bodyPr/>
+          <a:lstStyle/>
+          <a:p>
+            <a:r>
+              <a:rPr lang="en-US" altLang="ko-KR" dirty="0"/>
+              <a:t>ResultAdapter.java</a:t>
+            </a:r>
+            <a:endParaRPr lang="ko-KR" altLang="en-US" dirty="0"/>
+          </a:p>
+        </p:txBody>
+      </p:sp>
+      <p:sp>
+        <p:nvSpPr>
+          <p:cNvPr id="3" name="내용 개체 틀 2"/>
+          <p:cNvSpPr>
+            <a:spLocks noGrp="1"/>
+          </p:cNvSpPr>
+          <p:nvPr>
+            <p:ph idx="1"/>
+          </p:nvPr>
+        </p:nvSpPr>
+        <p:spPr/>
+        <p:txBody>
+          <a:bodyPr>
+            <a:normAutofit fontScale="77500" lnSpcReduction="20000"/>
+          </a:bodyPr>
+          <a:lstStyle/>
+          <a:p>
+            <a:r>
+              <a:rPr lang="en-US" altLang="ko-KR" dirty="0"/>
+              <a:t>A </a:t>
+            </a:r>
+            <a:r>
+              <a:rPr lang="en-US" altLang="ko-KR" dirty="0" err="1"/>
+              <a:t>DataBufferAdapter</a:t>
+            </a:r>
+            <a:r>
+              <a:rPr lang="en-US" altLang="ko-KR" dirty="0"/>
+              <a:t> to display the results of file listing/querying requests.</a:t>
+            </a:r>
+          </a:p>
+          <a:p>
+            <a:endParaRPr lang="en-US" altLang="ko-KR" dirty="0"/>
+          </a:p>
+          <a:p>
+            <a:r>
+              <a:rPr lang="en-US" altLang="ko-KR" dirty="0"/>
+              <a:t>extends </a:t>
+            </a:r>
+            <a:r>
+              <a:rPr lang="en-US" altLang="ko-KR" dirty="0" err="1"/>
+              <a:t>DataBufferAdapter</a:t>
+            </a:r>
+            <a:endParaRPr lang="en-US" altLang="ko-KR" dirty="0"/>
+          </a:p>
+          <a:p>
+            <a:endParaRPr lang="en-US" altLang="ko-KR" dirty="0"/>
+          </a:p>
+          <a:p>
+            <a:pPr marL="0" indent="0">
+              <a:buNone/>
+            </a:pPr>
+            <a:r>
+              <a:rPr lang="en-US" altLang="ko-KR" dirty="0" err="1"/>
+              <a:t>getView</a:t>
+            </a:r>
+            <a:r>
+              <a:rPr lang="en-US" altLang="ko-KR" dirty="0"/>
+              <a:t>( </a:t>
+            </a:r>
+            <a:r>
+              <a:rPr lang="en-US" altLang="ko-KR" dirty="0" err="1"/>
+              <a:t>int</a:t>
+            </a:r>
+            <a:r>
+              <a:rPr lang="en-US" altLang="ko-KR" dirty="0"/>
+              <a:t> </a:t>
+            </a:r>
+            <a:r>
+              <a:rPr lang="en-US" altLang="ko-KR" dirty="0" err="1"/>
+              <a:t>pos</a:t>
+            </a:r>
+            <a:r>
+              <a:rPr lang="en-US" altLang="ko-KR" dirty="0"/>
+              <a:t>, View cv, </a:t>
+            </a:r>
+            <a:r>
+              <a:rPr lang="en-US" altLang="ko-KR" dirty="0" err="1"/>
+              <a:t>ViewGroup</a:t>
+            </a:r>
+            <a:r>
+              <a:rPr lang="en-US" altLang="ko-KR" dirty="0"/>
+              <a:t> p ) {</a:t>
+            </a:r>
+          </a:p>
+          <a:p>
+            <a:pPr marL="0" indent="0">
+              <a:buNone/>
+            </a:pPr>
+            <a:r>
+              <a:rPr lang="en-US" altLang="ko-KR" dirty="0"/>
+              <a:t> if( cv == null ) { </a:t>
+            </a:r>
+          </a:p>
+          <a:p>
+            <a:pPr marL="0" indent="0">
+              <a:buNone/>
+            </a:pPr>
+            <a:r>
+              <a:rPr lang="en-US" altLang="ko-KR" dirty="0"/>
+              <a:t>   cv</a:t>
+            </a:r>
+            <a:r>
+              <a:rPr lang="ko-KR" altLang="en-US" dirty="0"/>
+              <a:t> </a:t>
+            </a:r>
+            <a:r>
+              <a:rPr lang="en-US" altLang="ko-KR" dirty="0"/>
+              <a:t>=</a:t>
+            </a:r>
+            <a:r>
+              <a:rPr lang="ko-KR" altLang="en-US" dirty="0"/>
+              <a:t> </a:t>
+            </a:r>
+            <a:r>
+              <a:rPr lang="en-US" altLang="ko-KR" dirty="0" err="1"/>
+              <a:t>View.inflate</a:t>
+            </a:r>
+            <a:r>
+              <a:rPr lang="en-US" altLang="ko-KR" dirty="0"/>
+              <a:t>(</a:t>
+            </a:r>
+            <a:r>
+              <a:rPr lang="ko-KR" altLang="en-US" dirty="0"/>
+              <a:t> </a:t>
+            </a:r>
+            <a:r>
+              <a:rPr lang="en-US" altLang="ko-KR" dirty="0" err="1"/>
+              <a:t>getContext</a:t>
+            </a:r>
+            <a:r>
+              <a:rPr lang="en-US" altLang="ko-KR" dirty="0"/>
+              <a:t>( ), android.R.layout.simple_list_item_1, null ) }</a:t>
+            </a:r>
+          </a:p>
+          <a:p>
+            <a:pPr marL="0" indent="0">
+              <a:buNone/>
+            </a:pPr>
+            <a:r>
+              <a:rPr lang="en-US" altLang="ko-KR" dirty="0"/>
+              <a:t> Metadata m = </a:t>
+            </a:r>
+            <a:r>
+              <a:rPr lang="en-US" altLang="ko-KR" dirty="0" err="1"/>
+              <a:t>getItem</a:t>
+            </a:r>
+            <a:r>
+              <a:rPr lang="en-US" altLang="ko-KR" dirty="0"/>
+              <a:t>( </a:t>
+            </a:r>
+            <a:r>
+              <a:rPr lang="en-US" altLang="ko-KR" dirty="0" err="1"/>
+              <a:t>pos</a:t>
+            </a:r>
+            <a:r>
+              <a:rPr lang="en-US" altLang="ko-KR" dirty="0"/>
+              <a:t> )</a:t>
+            </a:r>
+          </a:p>
+          <a:p>
+            <a:pPr marL="0" indent="0">
+              <a:buNone/>
+            </a:pPr>
+            <a:r>
+              <a:rPr lang="en-US" altLang="ko-KR" dirty="0"/>
+              <a:t> </a:t>
+            </a:r>
+            <a:r>
+              <a:rPr lang="en-US" altLang="ko-KR" dirty="0" err="1"/>
+              <a:t>TextView</a:t>
+            </a:r>
+            <a:r>
+              <a:rPr lang="en-US" altLang="ko-KR" dirty="0"/>
+              <a:t> </a:t>
+            </a:r>
+            <a:r>
+              <a:rPr lang="en-US" altLang="ko-KR" dirty="0" err="1"/>
+              <a:t>tv</a:t>
+            </a:r>
+            <a:r>
+              <a:rPr lang="en-US" altLang="ko-KR" dirty="0"/>
+              <a:t> = (</a:t>
+            </a:r>
+            <a:r>
+              <a:rPr lang="en-US" altLang="ko-KR" dirty="0" err="1"/>
+              <a:t>TextView</a:t>
+            </a:r>
+            <a:r>
+              <a:rPr lang="en-US" altLang="ko-KR" dirty="0"/>
+              <a:t>) </a:t>
+            </a:r>
+            <a:r>
+              <a:rPr lang="en-US" altLang="ko-KR" dirty="0" err="1"/>
+              <a:t>cv.findViewById</a:t>
+            </a:r>
+            <a:r>
+              <a:rPr lang="en-US" altLang="ko-KR" dirty="0"/>
+              <a:t>( android.R.id.text1 )</a:t>
+            </a:r>
+          </a:p>
+          <a:p>
+            <a:pPr marL="0" indent="0">
+              <a:buNone/>
+            </a:pPr>
+            <a:r>
+              <a:rPr lang="en-US" altLang="ko-KR" dirty="0"/>
+              <a:t> </a:t>
+            </a:r>
+            <a:r>
+              <a:rPr lang="en-US" altLang="ko-KR" dirty="0" err="1"/>
+              <a:t>tv.setText</a:t>
+            </a:r>
+            <a:r>
+              <a:rPr lang="en-US" altLang="ko-KR" dirty="0"/>
+              <a:t>( </a:t>
+            </a:r>
+            <a:r>
+              <a:rPr lang="en-US" altLang="ko-KR" dirty="0" err="1"/>
+              <a:t>m.getTitle</a:t>
+            </a:r>
+            <a:r>
+              <a:rPr lang="en-US" altLang="ko-KR" dirty="0"/>
+              <a:t>( ) )</a:t>
+            </a:r>
+          </a:p>
+          <a:p>
+            <a:pPr marL="0" indent="0">
+              <a:buNone/>
+            </a:pPr>
+            <a:r>
+              <a:rPr lang="en-US" altLang="ko-KR" dirty="0"/>
+              <a:t> return cv</a:t>
+            </a:r>
+          </a:p>
+          <a:p>
+            <a:pPr marL="0" indent="0">
+              <a:buNone/>
+            </a:pPr>
+            <a:r>
+              <a:rPr lang="en-US" altLang="ko-KR" dirty="0"/>
+              <a:t>}</a:t>
+            </a:r>
+          </a:p>
+        </p:txBody>
+      </p:sp>
+    </p:spTree>
+    <p:extLst>
+      <p:ext uri="{BB962C8B-B14F-4D97-AF65-F5344CB8AC3E}">
+        <p14:creationId xmlns:p14="http://schemas.microsoft.com/office/powerpoint/2010/main" val="288277853"/>
+      </p:ext>
+    </p:extLst>
+  </p:cSld>
+  <p:clrMapOvr>
+    <a:masterClrMapping/>
+  </p:clrMapOvr>
+</p:sld>
+</file>
+
+<file path=ppt/slides/slide16.xml><?xml version="1.0" encoding="utf-8"?>
+<p:sld xmlns:a="http://schemas.openxmlformats.org/drawingml/2006/main" xmlns:r="http://schemas.openxmlformats.org/officeDocument/2006/relationships" xmlns:p="http://schemas.openxmlformats.org/presentationml/2006/main">
+  <p:cSld>
+    <p:spTree>
+      <p:nvGrpSpPr>
+        <p:cNvPr id="1" name=""/>
+        <p:cNvGrpSpPr/>
+        <p:nvPr/>
+      </p:nvGrpSpPr>
+      <p:grpSpPr>
+        <a:xfrm>
+          <a:off x="0" y="0"/>
+          <a:ext cx="0" cy="0"/>
+          <a:chOff x="0" y="0"/>
+          <a:chExt cx="0" cy="0"/>
+        </a:xfrm>
+      </p:grpSpPr>
+      <p:sp>
+        <p:nvSpPr>
+          <p:cNvPr id="2" name="제목 1"/>
+          <p:cNvSpPr>
+            <a:spLocks noGrp="1"/>
+          </p:cNvSpPr>
+          <p:nvPr>
+            <p:ph type="title"/>
+          </p:nvPr>
+        </p:nvSpPr>
+        <p:spPr>
+          <a:xfrm>
+            <a:off x="838200" y="365125"/>
+            <a:ext cx="10515600" cy="941161"/>
+          </a:xfrm>
+        </p:spPr>
+        <p:txBody>
+          <a:bodyPr/>
+          <a:lstStyle/>
+          <a:p>
+            <a:r>
+              <a:rPr lang="en-US" altLang="ko-KR" dirty="0"/>
+              <a:t>RetrieveContentsActivity.java</a:t>
+            </a:r>
+            <a:endParaRPr lang="ko-KR" altLang="en-US" dirty="0"/>
+          </a:p>
+        </p:txBody>
+      </p:sp>
+      <p:sp>
+        <p:nvSpPr>
+          <p:cNvPr id="3" name="내용 개체 틀 2"/>
+          <p:cNvSpPr>
+            <a:spLocks noGrp="1"/>
+          </p:cNvSpPr>
+          <p:nvPr>
+            <p:ph idx="1"/>
+          </p:nvPr>
+        </p:nvSpPr>
+        <p:spPr>
+          <a:xfrm>
+            <a:off x="838200" y="1436914"/>
+            <a:ext cx="10515600" cy="5086350"/>
+          </a:xfrm>
+        </p:spPr>
+        <p:txBody>
+          <a:bodyPr>
+            <a:normAutofit fontScale="70000" lnSpcReduction="20000"/>
+          </a:bodyPr>
+          <a:lstStyle/>
+          <a:p>
+            <a:pPr marL="0" indent="0">
+              <a:buNone/>
+            </a:pPr>
+            <a:r>
+              <a:rPr lang="en-US" altLang="ko-KR" dirty="0" err="1"/>
+              <a:t>RetrieveDriveFileContentsAsyncTask</a:t>
+            </a:r>
+            <a:r>
+              <a:rPr lang="en-US" altLang="ko-KR" dirty="0"/>
+              <a:t> extends </a:t>
+            </a:r>
+            <a:r>
+              <a:rPr lang="en-US" altLang="ko-KR" dirty="0" err="1"/>
+              <a:t>ApiClientAsyncTask</a:t>
+            </a:r>
+            <a:r>
+              <a:rPr lang="en-US" altLang="ko-KR" dirty="0"/>
+              <a:t>&lt;</a:t>
+            </a:r>
+            <a:r>
+              <a:rPr lang="en-US" altLang="ko-KR" dirty="0" err="1"/>
+              <a:t>DriveId</a:t>
+            </a:r>
+            <a:r>
+              <a:rPr lang="en-US" altLang="ko-KR" dirty="0"/>
+              <a:t>, Boolean, String&gt; {</a:t>
+            </a:r>
+          </a:p>
+          <a:p>
+            <a:pPr marL="0" indent="0">
+              <a:buNone/>
+            </a:pPr>
+            <a:r>
+              <a:rPr lang="en-US" altLang="ko-KR" dirty="0"/>
+              <a:t> </a:t>
+            </a:r>
+            <a:r>
+              <a:rPr lang="en-US" altLang="ko-KR" dirty="0" err="1"/>
+              <a:t>doInBackgroundConnected</a:t>
+            </a:r>
+            <a:r>
+              <a:rPr lang="en-US" altLang="ko-KR" dirty="0"/>
+              <a:t>(</a:t>
+            </a:r>
+            <a:r>
+              <a:rPr lang="en-US" altLang="ko-KR" dirty="0" err="1"/>
+              <a:t>DriveId</a:t>
+            </a:r>
+            <a:r>
+              <a:rPr lang="en-US" altLang="ko-KR" dirty="0"/>
+              <a:t>… </a:t>
+            </a:r>
+            <a:r>
+              <a:rPr lang="en-US" altLang="ko-KR" dirty="0" err="1"/>
+              <a:t>params</a:t>
+            </a:r>
+            <a:r>
+              <a:rPr lang="en-US" altLang="ko-KR" dirty="0"/>
+              <a:t>) {</a:t>
+            </a:r>
+          </a:p>
+          <a:p>
+            <a:pPr marL="0" indent="0">
+              <a:buNone/>
+            </a:pPr>
+            <a:r>
+              <a:rPr lang="en-US" altLang="ko-KR" dirty="0"/>
+              <a:t>  String s = null </a:t>
+            </a:r>
+          </a:p>
+          <a:p>
+            <a:pPr marL="0" indent="0">
+              <a:buNone/>
+            </a:pPr>
+            <a:r>
+              <a:rPr lang="en-US" altLang="ko-KR" dirty="0"/>
+              <a:t>  </a:t>
+            </a:r>
+            <a:r>
+              <a:rPr lang="en-US" altLang="ko-KR" dirty="0" err="1"/>
+              <a:t>DriveFile</a:t>
+            </a:r>
+            <a:r>
+              <a:rPr lang="en-US" altLang="ko-KR" dirty="0"/>
+              <a:t> file = </a:t>
+            </a:r>
+            <a:r>
+              <a:rPr lang="en-US" altLang="ko-KR" dirty="0" err="1"/>
+              <a:t>params</a:t>
+            </a:r>
+            <a:r>
+              <a:rPr lang="en-US" altLang="ko-KR" dirty="0"/>
+              <a:t>[0].</a:t>
+            </a:r>
+            <a:r>
+              <a:rPr lang="en-US" altLang="ko-KR" dirty="0" err="1"/>
+              <a:t>asDriveFile</a:t>
+            </a:r>
+            <a:r>
+              <a:rPr lang="en-US" altLang="ko-KR" dirty="0"/>
+              <a:t>( )</a:t>
+            </a:r>
+          </a:p>
+          <a:p>
+            <a:pPr marL="0" indent="0">
+              <a:buNone/>
+            </a:pPr>
+            <a:r>
+              <a:rPr lang="en-US" altLang="ko-KR" dirty="0"/>
+              <a:t>  </a:t>
+            </a:r>
+            <a:r>
+              <a:rPr lang="en-US" altLang="ko-KR" dirty="0" err="1"/>
+              <a:t>DriveContentsResult</a:t>
+            </a:r>
+            <a:r>
+              <a:rPr lang="en-US" altLang="ko-KR" dirty="0"/>
+              <a:t> r = </a:t>
+            </a:r>
+            <a:r>
+              <a:rPr lang="en-US" altLang="ko-KR" dirty="0" err="1"/>
+              <a:t>file.open</a:t>
+            </a:r>
+            <a:r>
+              <a:rPr lang="en-US" altLang="ko-KR" dirty="0"/>
+              <a:t>(</a:t>
+            </a:r>
+            <a:r>
+              <a:rPr lang="en-US" altLang="ko-KR" dirty="0" err="1"/>
+              <a:t>getGoogleApiClient</a:t>
+            </a:r>
+            <a:r>
+              <a:rPr lang="en-US" altLang="ko-KR" dirty="0"/>
+              <a:t>( ), </a:t>
+            </a:r>
+          </a:p>
+          <a:p>
+            <a:pPr marL="0" indent="0">
+              <a:buNone/>
+            </a:pPr>
+            <a:r>
+              <a:rPr lang="en-US" altLang="ko-KR" dirty="0"/>
+              <a:t>  </a:t>
+            </a:r>
+            <a:r>
+              <a:rPr lang="en-US" altLang="ko-KR" dirty="0" err="1"/>
+              <a:t>DriveFile.MODE_READ_ONLY</a:t>
+            </a:r>
+            <a:r>
+              <a:rPr lang="en-US" altLang="ko-KR" dirty="0"/>
+              <a:t>, null).await( ) </a:t>
+            </a:r>
+          </a:p>
+          <a:p>
+            <a:pPr marL="0" indent="0">
+              <a:buNone/>
+            </a:pPr>
+            <a:r>
+              <a:rPr lang="en-US" altLang="ko-KR" dirty="0"/>
+              <a:t>  if( ! r. </a:t>
+            </a:r>
+            <a:r>
+              <a:rPr lang="en-US" altLang="ko-KR" dirty="0" err="1"/>
+              <a:t>getStatus</a:t>
+            </a:r>
+            <a:r>
+              <a:rPr lang="en-US" altLang="ko-KR" dirty="0"/>
+              <a:t>().</a:t>
+            </a:r>
+            <a:r>
+              <a:rPr lang="en-US" altLang="ko-KR" dirty="0" err="1"/>
+              <a:t>isSuccess</a:t>
+            </a:r>
+            <a:r>
+              <a:rPr lang="en-US" altLang="ko-KR" dirty="0"/>
+              <a:t>()) return null</a:t>
+            </a:r>
+          </a:p>
+          <a:p>
+            <a:pPr marL="0" indent="0">
+              <a:buNone/>
+            </a:pPr>
+            <a:r>
+              <a:rPr lang="en-US" altLang="ko-KR" dirty="0"/>
+              <a:t>  </a:t>
+            </a:r>
+            <a:r>
+              <a:rPr lang="en-US" altLang="ko-KR" dirty="0" err="1"/>
+              <a:t>DriveContents</a:t>
+            </a:r>
+            <a:r>
+              <a:rPr lang="en-US" altLang="ko-KR" dirty="0"/>
+              <a:t> c = </a:t>
+            </a:r>
+            <a:r>
+              <a:rPr lang="en-US" altLang="ko-KR" dirty="0" err="1"/>
+              <a:t>DriveContentsResult.getDriveContents</a:t>
+            </a:r>
+            <a:r>
+              <a:rPr lang="en-US" altLang="ko-KR" dirty="0"/>
+              <a:t>( )</a:t>
+            </a:r>
+          </a:p>
+          <a:p>
+            <a:pPr marL="0" indent="0">
+              <a:buNone/>
+            </a:pPr>
+            <a:r>
+              <a:rPr lang="en-US" altLang="ko-KR" dirty="0"/>
+              <a:t>  </a:t>
+            </a:r>
+            <a:r>
+              <a:rPr lang="en-US" altLang="ko-KR" dirty="0" err="1"/>
+              <a:t>BufferedReader</a:t>
+            </a:r>
+            <a:r>
+              <a:rPr lang="en-US" altLang="ko-KR" dirty="0"/>
+              <a:t> reader = new </a:t>
+            </a:r>
+            <a:r>
+              <a:rPr lang="en-US" altLang="ko-KR" dirty="0" err="1"/>
+              <a:t>BufferedReader</a:t>
+            </a:r>
+            <a:r>
+              <a:rPr lang="en-US" altLang="ko-KR" dirty="0"/>
+              <a:t>(new </a:t>
+            </a:r>
+            <a:r>
+              <a:rPr lang="en-US" altLang="ko-KR" dirty="0" err="1"/>
+              <a:t>InputStreamReader</a:t>
+            </a:r>
+            <a:r>
+              <a:rPr lang="en-US" altLang="ko-KR" dirty="0"/>
+              <a:t>( </a:t>
+            </a:r>
+            <a:r>
+              <a:rPr lang="en-US" altLang="ko-KR" dirty="0" err="1"/>
+              <a:t>c.getInputStream</a:t>
+            </a:r>
+            <a:r>
+              <a:rPr lang="en-US" altLang="ko-KR" dirty="0"/>
+              <a:t>( ) ) ) </a:t>
+            </a:r>
+          </a:p>
+          <a:p>
+            <a:pPr marL="0" indent="0">
+              <a:buNone/>
+            </a:pPr>
+            <a:r>
+              <a:rPr lang="en-US" altLang="ko-KR" dirty="0"/>
+              <a:t>  . . .</a:t>
+            </a:r>
+          </a:p>
+          <a:p>
+            <a:pPr marL="0" indent="0">
+              <a:buNone/>
+            </a:pPr>
+            <a:r>
+              <a:rPr lang="en-US" altLang="ko-KR" dirty="0"/>
+              <a:t> </a:t>
+            </a:r>
+            <a:r>
+              <a:rPr lang="en-US" altLang="ko-KR" dirty="0" err="1"/>
+              <a:t>c.discard</a:t>
+            </a:r>
+            <a:r>
+              <a:rPr lang="en-US" altLang="ko-KR" dirty="0"/>
+              <a:t>( </a:t>
+            </a:r>
+            <a:r>
+              <a:rPr lang="en-US" altLang="ko-KR" dirty="0" err="1"/>
+              <a:t>getGoogleApiClient</a:t>
+            </a:r>
+            <a:r>
+              <a:rPr lang="en-US" altLang="ko-KR" dirty="0"/>
+              <a:t>( ) )</a:t>
+            </a:r>
+          </a:p>
+          <a:p>
+            <a:pPr marL="0" indent="0">
+              <a:buNone/>
+            </a:pPr>
+            <a:r>
+              <a:rPr lang="en-US" altLang="ko-KR" dirty="0"/>
+              <a:t> return s </a:t>
+            </a:r>
+          </a:p>
+          <a:p>
+            <a:pPr marL="0" indent="0">
+              <a:buNone/>
+            </a:pPr>
+            <a:r>
+              <a:rPr lang="en-US" altLang="ko-KR" dirty="0"/>
+              <a:t>}</a:t>
+            </a:r>
+          </a:p>
+        </p:txBody>
+      </p:sp>
+    </p:spTree>
+    <p:extLst>
+      <p:ext uri="{BB962C8B-B14F-4D97-AF65-F5344CB8AC3E}">
+        <p14:creationId xmlns:p14="http://schemas.microsoft.com/office/powerpoint/2010/main" val="3698605446"/>
       </p:ext>
     </p:extLst>
   </p:cSld>
